--- a/LplcOpenDataConverter/LplcOpenDataConverter/genko/センサinout図.pptx
+++ b/LplcOpenDataConverter/LplcOpenDataConverter/genko/センサinout図.pptx
@@ -244,7 +244,7 @@
           <a:p>
             <a:fld id="{6D920998-7AA0-42A4-9CD1-E915EE9A0832}" type="datetimeFigureOut">
               <a:rPr kumimoji="1" lang="ja-JP" altLang="en-US" smtClean="0"/>
-              <a:t>2018/12/19</a:t>
+              <a:t>2018/12/20</a:t>
             </a:fld>
             <a:endParaRPr kumimoji="1" lang="ja-JP" altLang="en-US"/>
           </a:p>
@@ -446,7 +446,7 @@
           <a:p>
             <a:fld id="{6D920998-7AA0-42A4-9CD1-E915EE9A0832}" type="datetimeFigureOut">
               <a:rPr kumimoji="1" lang="ja-JP" altLang="en-US" smtClean="0"/>
-              <a:t>2018/12/19</a:t>
+              <a:t>2018/12/20</a:t>
             </a:fld>
             <a:endParaRPr kumimoji="1" lang="ja-JP" altLang="en-US"/>
           </a:p>
@@ -658,7 +658,7 @@
           <a:p>
             <a:fld id="{6D920998-7AA0-42A4-9CD1-E915EE9A0832}" type="datetimeFigureOut">
               <a:rPr kumimoji="1" lang="ja-JP" altLang="en-US" smtClean="0"/>
-              <a:t>2018/12/19</a:t>
+              <a:t>2018/12/20</a:t>
             </a:fld>
             <a:endParaRPr kumimoji="1" lang="ja-JP" altLang="en-US"/>
           </a:p>
@@ -860,7 +860,7 @@
           <a:p>
             <a:fld id="{6D920998-7AA0-42A4-9CD1-E915EE9A0832}" type="datetimeFigureOut">
               <a:rPr kumimoji="1" lang="ja-JP" altLang="en-US" smtClean="0"/>
-              <a:t>2018/12/19</a:t>
+              <a:t>2018/12/20</a:t>
             </a:fld>
             <a:endParaRPr kumimoji="1" lang="ja-JP" altLang="en-US"/>
           </a:p>
@@ -1106,7 +1106,7 @@
           <a:p>
             <a:fld id="{6D920998-7AA0-42A4-9CD1-E915EE9A0832}" type="datetimeFigureOut">
               <a:rPr kumimoji="1" lang="ja-JP" altLang="en-US" smtClean="0"/>
-              <a:t>2018/12/19</a:t>
+              <a:t>2018/12/20</a:t>
             </a:fld>
             <a:endParaRPr kumimoji="1" lang="ja-JP" altLang="en-US"/>
           </a:p>
@@ -1402,7 +1402,7 @@
           <a:p>
             <a:fld id="{6D920998-7AA0-42A4-9CD1-E915EE9A0832}" type="datetimeFigureOut">
               <a:rPr kumimoji="1" lang="ja-JP" altLang="en-US" smtClean="0"/>
-              <a:t>2018/12/19</a:t>
+              <a:t>2018/12/20</a:t>
             </a:fld>
             <a:endParaRPr kumimoji="1" lang="ja-JP" altLang="en-US"/>
           </a:p>
@@ -1833,7 +1833,7 @@
           <a:p>
             <a:fld id="{6D920998-7AA0-42A4-9CD1-E915EE9A0832}" type="datetimeFigureOut">
               <a:rPr kumimoji="1" lang="ja-JP" altLang="en-US" smtClean="0"/>
-              <a:t>2018/12/19</a:t>
+              <a:t>2018/12/20</a:t>
             </a:fld>
             <a:endParaRPr kumimoji="1" lang="ja-JP" altLang="en-US"/>
           </a:p>
@@ -1951,7 +1951,7 @@
           <a:p>
             <a:fld id="{6D920998-7AA0-42A4-9CD1-E915EE9A0832}" type="datetimeFigureOut">
               <a:rPr kumimoji="1" lang="ja-JP" altLang="en-US" smtClean="0"/>
-              <a:t>2018/12/19</a:t>
+              <a:t>2018/12/20</a:t>
             </a:fld>
             <a:endParaRPr kumimoji="1" lang="ja-JP" altLang="en-US"/>
           </a:p>
@@ -2046,7 +2046,7 @@
           <a:p>
             <a:fld id="{6D920998-7AA0-42A4-9CD1-E915EE9A0832}" type="datetimeFigureOut">
               <a:rPr kumimoji="1" lang="ja-JP" altLang="en-US" smtClean="0"/>
-              <a:t>2018/12/19</a:t>
+              <a:t>2018/12/20</a:t>
             </a:fld>
             <a:endParaRPr kumimoji="1" lang="ja-JP" altLang="en-US"/>
           </a:p>
@@ -2355,7 +2355,7 @@
           <a:p>
             <a:fld id="{6D920998-7AA0-42A4-9CD1-E915EE9A0832}" type="datetimeFigureOut">
               <a:rPr kumimoji="1" lang="ja-JP" altLang="en-US" smtClean="0"/>
-              <a:t>2018/12/19</a:t>
+              <a:t>2018/12/20</a:t>
             </a:fld>
             <a:endParaRPr kumimoji="1" lang="ja-JP" altLang="en-US"/>
           </a:p>
@@ -2608,7 +2608,7 @@
           <a:p>
             <a:fld id="{6D920998-7AA0-42A4-9CD1-E915EE9A0832}" type="datetimeFigureOut">
               <a:rPr kumimoji="1" lang="ja-JP" altLang="en-US" smtClean="0"/>
-              <a:t>2018/12/19</a:t>
+              <a:t>2018/12/20</a:t>
             </a:fld>
             <a:endParaRPr kumimoji="1" lang="ja-JP" altLang="en-US"/>
           </a:p>
@@ -2853,7 +2853,7 @@
           <a:p>
             <a:fld id="{6D920998-7AA0-42A4-9CD1-E915EE9A0832}" type="datetimeFigureOut">
               <a:rPr kumimoji="1" lang="ja-JP" altLang="en-US" smtClean="0"/>
-              <a:t>2018/12/19</a:t>
+              <a:t>2018/12/20</a:t>
             </a:fld>
             <a:endParaRPr kumimoji="1" lang="ja-JP" altLang="en-US"/>
           </a:p>
@@ -3454,10 +3454,10 @@
             </p:nvGrpSpPr>
             <p:grpSpPr>
               <a:xfrm>
-                <a:off x="596348" y="2242268"/>
-                <a:ext cx="10463915" cy="2146852"/>
-                <a:chOff x="596348" y="2242268"/>
-                <a:chExt cx="10463915" cy="2146852"/>
+                <a:off x="533284" y="2242268"/>
+                <a:ext cx="10590043" cy="2146852"/>
+                <a:chOff x="533284" y="2242268"/>
+                <a:chExt cx="10590043" cy="2146852"/>
               </a:xfrm>
             </p:grpSpPr>
             <p:sp>
@@ -3468,13 +3468,13 @@
               </p:nvSpPr>
               <p:spPr>
                 <a:xfrm>
-                  <a:off x="596348" y="2242268"/>
+                  <a:off x="533284" y="2242268"/>
                   <a:ext cx="3792772" cy="2146852"/>
                 </a:xfrm>
                 <a:prstGeom prst="rect">
                   <a:avLst/>
                 </a:prstGeom>
-                <a:ln>
+                <a:ln w="76200">
                   <a:solidFill>
                     <a:srgbClr val="00B0F0"/>
                   </a:solidFill>
@@ -3517,7 +3517,7 @@
                 <a:prstGeom prst="rect">
                   <a:avLst/>
                 </a:prstGeom>
-                <a:ln>
+                <a:ln w="76200">
                   <a:solidFill>
                     <a:srgbClr val="FFC000"/>
                   </a:solidFill>
@@ -3554,13 +3554,13 @@
               </p:nvSpPr>
               <p:spPr>
                 <a:xfrm>
-                  <a:off x="7267491" y="2242268"/>
+                  <a:off x="7330555" y="2242268"/>
                   <a:ext cx="3792772" cy="2146852"/>
                 </a:xfrm>
                 <a:prstGeom prst="rect">
                   <a:avLst/>
                 </a:prstGeom>
-                <a:ln>
+                <a:ln w="76200">
                   <a:solidFill>
                     <a:srgbClr val="FF0000"/>
                   </a:solidFill>
